--- a/University_of_Waterloo/Fall_2021/MATH135/UW_Fall2021_MATH135_Lecture25.pptx
+++ b/University_of_Waterloo/Fall_2021/MATH135/UW_Fall2021_MATH135_Lecture25.pptx
@@ -5,7 +5,7 @@
     <p:sldMasterId id="2147483648" r:id="rId1"/>
   </p:sldMasterIdLst>
   <p:notesMasterIdLst>
-    <p:notesMasterId r:id="rId54"/>
+    <p:notesMasterId r:id="rId52"/>
   </p:notesMasterIdLst>
   <p:sldIdLst>
     <p:sldId id="645" r:id="rId2"/>
@@ -58,8 +58,6 @@
     <p:sldId id="698" r:id="rId49"/>
     <p:sldId id="668" r:id="rId50"/>
     <p:sldId id="626" r:id="rId51"/>
-    <p:sldId id="651" r:id="rId52"/>
-    <p:sldId id="650" r:id="rId53"/>
   </p:sldIdLst>
   <p:sldSz cx="12192000" cy="6858000"/>
   <p:notesSz cx="6858000" cy="9144000"/>
@@ -248,7 +246,7 @@
           <a:p>
             <a:fld id="{FDFA072B-9469-468D-A7B7-ED2DE3498A74}" type="datetimeFigureOut">
               <a:rPr lang="en-US" smtClean="0"/>
-              <a:t>11/10/2021</a:t>
+              <a:t>11/11/2021</a:t>
             </a:fld>
             <a:endParaRPr lang="en-US"/>
           </a:p>
@@ -662,7 +660,7 @@
           <a:p>
             <a:fld id="{1C2423CD-2273-4DC4-8E3F-83883238502A}" type="datetime1">
               <a:rPr lang="en-US" smtClean="0"/>
-              <a:t>11/10/2021</a:t>
+              <a:t>11/11/2021</a:t>
             </a:fld>
             <a:endParaRPr lang="en-US"/>
           </a:p>
@@ -839,7 +837,7 @@
           <a:p>
             <a:fld id="{798285AA-0DCE-4B51-9123-EC4AC79557F9}" type="datetime1">
               <a:rPr lang="en-US" smtClean="0"/>
-              <a:t>11/10/2021</a:t>
+              <a:t>11/11/2021</a:t>
             </a:fld>
             <a:endParaRPr lang="en-US"/>
           </a:p>
@@ -1051,7 +1049,7 @@
           <a:p>
             <a:fld id="{1BCBA4FB-A7F6-42FA-8CC6-75C3908C54C0}" type="datetime1">
               <a:rPr lang="en-US" smtClean="0"/>
-              <a:t>11/10/2021</a:t>
+              <a:t>11/11/2021</a:t>
             </a:fld>
             <a:endParaRPr lang="en-US"/>
           </a:p>
@@ -1253,7 +1251,7 @@
           <a:p>
             <a:fld id="{FF98B6DF-C511-453D-80D1-6A936F24DDAD}" type="datetime1">
               <a:rPr lang="en-US" smtClean="0"/>
-              <a:t>11/10/2021</a:t>
+              <a:t>11/11/2021</a:t>
             </a:fld>
             <a:endParaRPr lang="en-US"/>
           </a:p>
@@ -1532,7 +1530,7 @@
           <a:p>
             <a:fld id="{4589B1C4-3072-46BA-82C6-A48724D00CAB}" type="datetime1">
               <a:rPr lang="en-US" smtClean="0"/>
-              <a:t>11/10/2021</a:t>
+              <a:t>11/11/2021</a:t>
             </a:fld>
             <a:endParaRPr lang="en-US"/>
           </a:p>
@@ -1801,7 +1799,7 @@
           <a:p>
             <a:fld id="{76F95E83-A363-46BB-8E14-19BADAC5D9FE}" type="datetime1">
               <a:rPr lang="en-US" smtClean="0"/>
-              <a:t>11/10/2021</a:t>
+              <a:t>11/11/2021</a:t>
             </a:fld>
             <a:endParaRPr lang="en-US"/>
           </a:p>
@@ -2217,7 +2215,7 @@
           <a:p>
             <a:fld id="{97442E9A-7D8A-46F5-9106-F2FD57E08547}" type="datetime1">
               <a:rPr lang="en-US" smtClean="0"/>
-              <a:t>11/10/2021</a:t>
+              <a:t>11/11/2021</a:t>
             </a:fld>
             <a:endParaRPr lang="en-US"/>
           </a:p>
@@ -2362,7 +2360,7 @@
           <a:p>
             <a:fld id="{9A7168F9-25D4-43D1-9D40-3A911DA1FF47}" type="datetime1">
               <a:rPr lang="en-US" smtClean="0"/>
-              <a:t>11/10/2021</a:t>
+              <a:t>11/11/2021</a:t>
             </a:fld>
             <a:endParaRPr lang="en-US"/>
           </a:p>
@@ -2479,7 +2477,7 @@
           <a:p>
             <a:fld id="{C40F1D92-52DE-4FA4-BF89-650DC17B91CE}" type="datetime1">
               <a:rPr lang="en-US" smtClean="0"/>
-              <a:t>11/10/2021</a:t>
+              <a:t>11/11/2021</a:t>
             </a:fld>
             <a:endParaRPr lang="en-US"/>
           </a:p>
@@ -2794,7 +2792,7 @@
           <a:p>
             <a:fld id="{FD36810C-E8AC-4C34-BC13-2B0240CC477A}" type="datetime1">
               <a:rPr lang="en-US" smtClean="0"/>
-              <a:t>11/10/2021</a:t>
+              <a:t>11/11/2021</a:t>
             </a:fld>
             <a:endParaRPr lang="en-US"/>
           </a:p>
@@ -3086,7 +3084,7 @@
           <a:p>
             <a:fld id="{83FFA161-7F83-4796-A0A2-12AE4E5369DE}" type="datetime1">
               <a:rPr lang="en-US" smtClean="0"/>
-              <a:t>11/10/2021</a:t>
+              <a:t>11/11/2021</a:t>
             </a:fld>
             <a:endParaRPr lang="en-US"/>
           </a:p>
@@ -3331,7 +3329,7 @@
           <a:p>
             <a:fld id="{2838366F-C4C1-4766-8824-82CE78B09586}" type="datetime1">
               <a:rPr lang="en-US" smtClean="0"/>
-              <a:t>11/10/2021</a:t>
+              <a:t>11/11/2021</a:t>
             </a:fld>
             <a:endParaRPr lang="en-US"/>
           </a:p>
@@ -20422,500 +20420,14 @@
   <p:clrMapOvr>
     <a:masterClrMapping/>
   </p:clrMapOvr>
-  <mc:AlternateContent xmlns:mc="http://schemas.openxmlformats.org/markup-compatibility/2006">
-    <mc:Choice xmlns:p14="http://schemas.microsoft.com/office/powerpoint/2010/main" Requires="p14">
+  <mc:AlternateContent xmlns:mc="http://schemas.openxmlformats.org/markup-compatibility/2006" xmlns:p14="http://schemas.microsoft.com/office/powerpoint/2010/main">
+    <mc:Choice Requires="p14">
       <p:transition spd="slow" p14:dur="3500"/>
     </mc:Choice>
-    <mc:Fallback>
+    <mc:Fallback xmlns="">
       <p:transition spd="slow"/>
     </mc:Fallback>
   </mc:AlternateContent>
-</p:sld>
-</file>
-
-<file path=ppt/slides/slide51.xml><?xml version="1.0" encoding="utf-8"?>
-<p:sld xmlns:a="http://schemas.openxmlformats.org/drawingml/2006/main" xmlns:r="http://schemas.openxmlformats.org/officeDocument/2006/relationships" xmlns:p="http://schemas.openxmlformats.org/presentationml/2006/main">
-  <p:cSld>
-    <p:spTree>
-      <p:nvGrpSpPr>
-        <p:cNvPr id="1" name=""/>
-        <p:cNvGrpSpPr/>
-        <p:nvPr/>
-      </p:nvGrpSpPr>
-      <p:grpSpPr>
-        <a:xfrm>
-          <a:off x="0" y="0"/>
-          <a:ext cx="0" cy="0"/>
-          <a:chOff x="0" y="0"/>
-          <a:chExt cx="0" cy="0"/>
-        </a:xfrm>
-      </p:grpSpPr>
-      <p:sp>
-        <p:nvSpPr>
-          <p:cNvPr id="8" name="TextBox 7">
-            <a:extLst>
-              <a:ext uri="{FF2B5EF4-FFF2-40B4-BE49-F238E27FC236}">
-                <a16:creationId xmlns:a16="http://schemas.microsoft.com/office/drawing/2014/main" id="{40419644-6DD8-41BD-8DB3-163358359740}"/>
-              </a:ext>
-            </a:extLst>
-          </p:cNvPr>
-          <p:cNvSpPr txBox="1"/>
-          <p:nvPr/>
-        </p:nvSpPr>
-        <p:spPr>
-          <a:xfrm>
-            <a:off x="158601" y="926660"/>
-            <a:ext cx="12390075" cy="5816977"/>
-          </a:xfrm>
-          <a:prstGeom prst="rect">
-            <a:avLst/>
-          </a:prstGeom>
-          <a:noFill/>
-        </p:spPr>
-        <p:txBody>
-          <a:bodyPr wrap="square" rtlCol="0">
-            <a:spAutoFit/>
-          </a:bodyPr>
-          <a:lstStyle/>
-          <a:p>
-            <a:endParaRPr lang="en-US" sz="3600" dirty="0">
-              <a:solidFill>
-                <a:srgbClr val="202124"/>
-              </a:solidFill>
-              <a:latin typeface="arial" panose="020B0604020202020204" pitchFamily="34" charset="0"/>
-            </a:endParaRPr>
-          </a:p>
-          <a:p>
-            <a:endParaRPr lang="en-US" sz="1600" dirty="0">
-              <a:solidFill>
-                <a:srgbClr val="202124"/>
-              </a:solidFill>
-              <a:latin typeface="arial" panose="020B0604020202020204" pitchFamily="34" charset="0"/>
-            </a:endParaRPr>
-          </a:p>
-          <a:p>
-            <a:pPr marL="857250" indent="-857250">
-              <a:buFont typeface="Arial" panose="020B0604020202020204" pitchFamily="34" charset="0"/>
-              <a:buChar char="•"/>
-            </a:pPr>
-            <a:r>
-              <a:rPr lang="en-US" sz="4000" dirty="0">
-                <a:solidFill>
-                  <a:srgbClr val="202124"/>
-                </a:solidFill>
-                <a:latin typeface="arial" panose="020B0604020202020204" pitchFamily="34" charset="0"/>
-              </a:rPr>
-              <a:t>Tutor connect, if no one replied, what to do.</a:t>
-            </a:r>
-          </a:p>
-          <a:p>
-            <a:pPr marL="857250" indent="-857250">
-              <a:buFont typeface="Arial" panose="020B0604020202020204" pitchFamily="34" charset="0"/>
-              <a:buChar char="•"/>
-            </a:pPr>
-            <a:r>
-              <a:rPr lang="en-US" sz="4000" dirty="0">
-                <a:solidFill>
-                  <a:srgbClr val="202124"/>
-                </a:solidFill>
-                <a:latin typeface="arial" panose="020B0604020202020204" pitchFamily="34" charset="0"/>
-              </a:rPr>
-              <a:t>Jason D’Souza apology</a:t>
-            </a:r>
-          </a:p>
-          <a:p>
-            <a:pPr marL="857250" indent="-857250">
-              <a:buFont typeface="Arial" panose="020B0604020202020204" pitchFamily="34" charset="0"/>
-              <a:buChar char="•"/>
-            </a:pPr>
-            <a:r>
-              <a:rPr lang="en-US" sz="4000" dirty="0">
-                <a:solidFill>
-                  <a:srgbClr val="202124"/>
-                </a:solidFill>
-                <a:latin typeface="arial" panose="020B0604020202020204" pitchFamily="34" charset="0"/>
-              </a:rPr>
-              <a:t>Laith: EEA</a:t>
-            </a:r>
-          </a:p>
-          <a:p>
-            <a:pPr marL="857250" indent="-857250">
-              <a:buFont typeface="Arial" panose="020B0604020202020204" pitchFamily="34" charset="0"/>
-              <a:buChar char="•"/>
-            </a:pPr>
-            <a:r>
-              <a:rPr lang="en-US" sz="4000" dirty="0">
-                <a:solidFill>
-                  <a:srgbClr val="202124"/>
-                </a:solidFill>
-                <a:latin typeface="arial" panose="020B0604020202020204" pitchFamily="34" charset="0"/>
-              </a:rPr>
-              <a:t>Survey results: overall satisfaction (academia.SE page)</a:t>
-            </a:r>
-          </a:p>
-          <a:p>
-            <a:pPr marL="857250" indent="-857250">
-              <a:buFont typeface="Arial" panose="020B0604020202020204" pitchFamily="34" charset="0"/>
-              <a:buChar char="•"/>
-            </a:pPr>
-            <a:r>
-              <a:rPr lang="en-US" sz="4000" dirty="0">
-                <a:solidFill>
-                  <a:srgbClr val="202124"/>
-                </a:solidFill>
-                <a:latin typeface="arial" panose="020B0604020202020204" pitchFamily="34" charset="0"/>
-              </a:rPr>
-              <a:t>Survey: course notes (add that you can look at Jerry’s)</a:t>
-            </a:r>
-          </a:p>
-          <a:p>
-            <a:pPr marL="857250" indent="-857250">
-              <a:buFont typeface="Arial" panose="020B0604020202020204" pitchFamily="34" charset="0"/>
-              <a:buChar char="•"/>
-            </a:pPr>
-            <a:r>
-              <a:rPr lang="en-US" sz="4000" dirty="0">
-                <a:solidFill>
-                  <a:srgbClr val="202124"/>
-                </a:solidFill>
-                <a:latin typeface="arial" panose="020B0604020202020204" pitchFamily="34" charset="0"/>
-              </a:rPr>
-              <a:t>Maybe Example 2 of Chapter 8</a:t>
-            </a:r>
-          </a:p>
-        </p:txBody>
-      </p:sp>
-    </p:spTree>
-    <p:extLst>
-      <p:ext uri="{BB962C8B-B14F-4D97-AF65-F5344CB8AC3E}">
-        <p14:creationId xmlns:p14="http://schemas.microsoft.com/office/powerpoint/2010/main" val="2028217935"/>
-      </p:ext>
-    </p:extLst>
-  </p:cSld>
-  <p:clrMapOvr>
-    <a:masterClrMapping/>
-  </p:clrMapOvr>
-  <mc:AlternateContent xmlns:mc="http://schemas.openxmlformats.org/markup-compatibility/2006" xmlns:p14="http://schemas.microsoft.com/office/powerpoint/2010/main">
-    <mc:Choice Requires="p14">
-      <p:transition spd="slow" p14:dur="3500" advTm="240000"/>
-    </mc:Choice>
-    <mc:Fallback xmlns="">
-      <p:transition spd="slow" advTm="240000"/>
-    </mc:Fallback>
-  </mc:AlternateContent>
-</p:sld>
-</file>
-
-<file path=ppt/slides/slide52.xml><?xml version="1.0" encoding="utf-8"?>
-<p:sld xmlns:a="http://schemas.openxmlformats.org/drawingml/2006/main" xmlns:r="http://schemas.openxmlformats.org/officeDocument/2006/relationships" xmlns:p="http://schemas.openxmlformats.org/presentationml/2006/main">
-  <p:cSld>
-    <p:spTree>
-      <p:nvGrpSpPr>
-        <p:cNvPr id="1" name=""/>
-        <p:cNvGrpSpPr/>
-        <p:nvPr/>
-      </p:nvGrpSpPr>
-      <p:grpSpPr>
-        <a:xfrm>
-          <a:off x="0" y="0"/>
-          <a:ext cx="0" cy="0"/>
-          <a:chOff x="0" y="0"/>
-          <a:chExt cx="0" cy="0"/>
-        </a:xfrm>
-      </p:grpSpPr>
-      <p:sp>
-        <p:nvSpPr>
-          <p:cNvPr id="4" name="TextBox 3">
-            <a:extLst>
-              <a:ext uri="{FF2B5EF4-FFF2-40B4-BE49-F238E27FC236}">
-                <a16:creationId xmlns:a16="http://schemas.microsoft.com/office/drawing/2014/main" id="{704D5889-0476-4623-9563-9A9C80E6FE2D}"/>
-              </a:ext>
-            </a:extLst>
-          </p:cNvPr>
-          <p:cNvSpPr txBox="1"/>
-          <p:nvPr/>
-        </p:nvSpPr>
-        <p:spPr>
-          <a:xfrm>
-            <a:off x="60697" y="128991"/>
-            <a:ext cx="12227668" cy="1815882"/>
-          </a:xfrm>
-          <a:prstGeom prst="rect">
-            <a:avLst/>
-          </a:prstGeom>
-          <a:noFill/>
-        </p:spPr>
-        <p:txBody>
-          <a:bodyPr wrap="square" rtlCol="0">
-            <a:spAutoFit/>
-          </a:bodyPr>
-          <a:lstStyle/>
-          <a:p>
-            <a:pPr marL="457200" indent="-457200">
-              <a:buFont typeface="Arial" panose="020B0604020202020204" pitchFamily="34" charset="0"/>
-              <a:buChar char="•"/>
-            </a:pPr>
-            <a:endParaRPr lang="en-US" sz="1600" dirty="0">
-              <a:solidFill>
-                <a:srgbClr val="202124"/>
-              </a:solidFill>
-              <a:latin typeface="arial" panose="020B0604020202020204" pitchFamily="34" charset="0"/>
-            </a:endParaRPr>
-          </a:p>
-          <a:p>
-            <a:pPr marL="457200" indent="-457200">
-              <a:buFontTx/>
-              <a:buChar char="-"/>
-            </a:pPr>
-            <a:r>
-              <a:rPr lang="en-US" sz="3200" dirty="0" err="1">
-                <a:solidFill>
-                  <a:srgbClr val="202124"/>
-                </a:solidFill>
-                <a:latin typeface="arial" panose="020B0604020202020204" pitchFamily="34" charset="0"/>
-              </a:rPr>
-              <a:t>Youtube</a:t>
-            </a:r>
-            <a:r>
-              <a:rPr lang="en-US" sz="3200" dirty="0">
-                <a:solidFill>
-                  <a:srgbClr val="202124"/>
-                </a:solidFill>
-                <a:latin typeface="arial" panose="020B0604020202020204" pitchFamily="34" charset="0"/>
-              </a:rPr>
-              <a:t> channel</a:t>
-            </a:r>
-          </a:p>
-          <a:p>
-            <a:pPr marL="457200" indent="-457200">
-              <a:buFontTx/>
-              <a:buChar char="-"/>
-            </a:pPr>
-            <a:endParaRPr lang="en-US" sz="3200" dirty="0">
-              <a:solidFill>
-                <a:srgbClr val="202124"/>
-              </a:solidFill>
-              <a:latin typeface="arial" panose="020B0604020202020204" pitchFamily="34" charset="0"/>
-            </a:endParaRPr>
-          </a:p>
-          <a:p>
-            <a:pPr marL="457200" indent="-457200">
-              <a:buFontTx/>
-              <a:buChar char="-"/>
-            </a:pPr>
-            <a:r>
-              <a:rPr lang="en-US" sz="3200" dirty="0">
-                <a:solidFill>
-                  <a:srgbClr val="202124"/>
-                </a:solidFill>
-                <a:latin typeface="arial" panose="020B0604020202020204" pitchFamily="34" charset="0"/>
-              </a:rPr>
-              <a:t>Q5 of WA08: </a:t>
-            </a:r>
-            <a:r>
-              <a:rPr lang="en-US" sz="3200" dirty="0" err="1">
-                <a:solidFill>
-                  <a:srgbClr val="202124"/>
-                </a:solidFill>
-                <a:latin typeface="arial" panose="020B0604020202020204" pitchFamily="34" charset="0"/>
-              </a:rPr>
-              <a:t>Strawwng</a:t>
-            </a:r>
-            <a:r>
-              <a:rPr lang="en-US" sz="3200" dirty="0">
-                <a:solidFill>
-                  <a:srgbClr val="202124"/>
-                </a:solidFill>
-                <a:latin typeface="arial" panose="020B0604020202020204" pitchFamily="34" charset="0"/>
-              </a:rPr>
-              <a:t> Induction </a:t>
-            </a:r>
-          </a:p>
-        </p:txBody>
-      </p:sp>
-      <p:sp>
-        <p:nvSpPr>
-          <p:cNvPr id="6" name="Rectangle 5">
-            <a:extLst>
-              <a:ext uri="{FF2B5EF4-FFF2-40B4-BE49-F238E27FC236}">
-                <a16:creationId xmlns:a16="http://schemas.microsoft.com/office/drawing/2014/main" id="{D32C6AAA-502E-489D-8A1D-2B1F8817EBC3}"/>
-              </a:ext>
-            </a:extLst>
-          </p:cNvPr>
-          <p:cNvSpPr/>
-          <p:nvPr/>
-        </p:nvSpPr>
-        <p:spPr>
-          <a:xfrm>
-            <a:off x="116732" y="5233480"/>
-            <a:ext cx="11801475" cy="276833"/>
-          </a:xfrm>
-          <a:prstGeom prst="rect">
-            <a:avLst/>
-          </a:prstGeom>
-          <a:solidFill>
-            <a:schemeClr val="bg1"/>
-          </a:solidFill>
-          <a:ln>
-            <a:noFill/>
-          </a:ln>
-        </p:spPr>
-        <p:style>
-          <a:lnRef idx="2">
-            <a:schemeClr val="accent1">
-              <a:shade val="50000"/>
-            </a:schemeClr>
-          </a:lnRef>
-          <a:fillRef idx="1">
-            <a:schemeClr val="accent1"/>
-          </a:fillRef>
-          <a:effectRef idx="0">
-            <a:schemeClr val="accent1"/>
-          </a:effectRef>
-          <a:fontRef idx="minor">
-            <a:schemeClr val="lt1"/>
-          </a:fontRef>
-        </p:style>
-        <p:txBody>
-          <a:bodyPr rtlCol="0" anchor="ctr"/>
-          <a:lstStyle/>
-          <a:p>
-            <a:pPr algn="ctr"/>
-            <a:endParaRPr lang="en-US"/>
-          </a:p>
-        </p:txBody>
-      </p:sp>
-    </p:spTree>
-    <p:extLst>
-      <p:ext uri="{BB962C8B-B14F-4D97-AF65-F5344CB8AC3E}">
-        <p14:creationId xmlns:p14="http://schemas.microsoft.com/office/powerpoint/2010/main" val="1798910367"/>
-      </p:ext>
-    </p:extLst>
-  </p:cSld>
-  <p:clrMapOvr>
-    <a:masterClrMapping/>
-  </p:clrMapOvr>
-  <mc:AlternateContent xmlns:mc="http://schemas.openxmlformats.org/markup-compatibility/2006" xmlns:p14="http://schemas.microsoft.com/office/powerpoint/2010/main">
-    <mc:Choice Requires="p14">
-      <p:transition spd="slow" p14:dur="3500" advTm="240000"/>
-    </mc:Choice>
-    <mc:Fallback xmlns="">
-      <p:transition spd="slow" advTm="240000"/>
-    </mc:Fallback>
-  </mc:AlternateContent>
-  <p:timing>
-    <p:tnLst>
-      <p:par>
-        <p:cTn id="1" dur="indefinite" restart="never" nodeType="tmRoot">
-          <p:childTnLst>
-            <p:seq concurrent="1" nextAc="seek">
-              <p:cTn id="2" dur="indefinite" nodeType="mainSeq">
-                <p:childTnLst>
-                  <p:par>
-                    <p:cTn id="3" fill="hold">
-                      <p:stCondLst>
-                        <p:cond delay="indefinite"/>
-                        <p:cond evt="onBegin" delay="0">
-                          <p:tn val="2"/>
-                        </p:cond>
-                      </p:stCondLst>
-                      <p:childTnLst>
-                        <p:par>
-                          <p:cTn id="4" fill="hold">
-                            <p:stCondLst>
-                              <p:cond delay="0"/>
-                            </p:stCondLst>
-                            <p:childTnLst>
-                              <p:par>
-                                <p:cTn id="5" presetID="1" presetClass="entr" presetSubtype="0" fill="hold" nodeType="withEffect">
-                                  <p:stCondLst>
-                                    <p:cond delay="0"/>
-                                  </p:stCondLst>
-                                  <p:childTnLst>
-                                    <p:set>
-                                      <p:cBhvr>
-                                        <p:cTn id="6" dur="1" fill="hold">
-                                          <p:stCondLst>
-                                            <p:cond delay="0"/>
-                                          </p:stCondLst>
-                                        </p:cTn>
-                                        <p:tgtEl>
-                                          <p:spTgt spid="4">
-                                            <p:txEl>
-                                              <p:pRg st="1" end="1"/>
-                                            </p:txEl>
-                                          </p:spTgt>
-                                        </p:tgtEl>
-                                        <p:attrNameLst>
-                                          <p:attrName>style.visibility</p:attrName>
-                                        </p:attrNameLst>
-                                      </p:cBhvr>
-                                      <p:to>
-                                        <p:strVal val="visible"/>
-                                      </p:to>
-                                    </p:set>
-                                  </p:childTnLst>
-                                </p:cTn>
-                              </p:par>
-                              <p:par>
-                                <p:cTn id="7" presetID="1" presetClass="entr" presetSubtype="0" fill="hold" nodeType="withEffect">
-                                  <p:stCondLst>
-                                    <p:cond delay="0"/>
-                                  </p:stCondLst>
-                                  <p:childTnLst>
-                                    <p:set>
-                                      <p:cBhvr>
-                                        <p:cTn id="8" dur="1" fill="hold">
-                                          <p:stCondLst>
-                                            <p:cond delay="0"/>
-                                          </p:stCondLst>
-                                        </p:cTn>
-                                        <p:tgtEl>
-                                          <p:spTgt spid="4">
-                                            <p:txEl>
-                                              <p:pRg st="3" end="3"/>
-                                            </p:txEl>
-                                          </p:spTgt>
-                                        </p:tgtEl>
-                                        <p:attrNameLst>
-                                          <p:attrName>style.visibility</p:attrName>
-                                        </p:attrNameLst>
-                                      </p:cBhvr>
-                                      <p:to>
-                                        <p:strVal val="visible"/>
-                                      </p:to>
-                                    </p:set>
-                                  </p:childTnLst>
-                                </p:cTn>
-                              </p:par>
-                            </p:childTnLst>
-                          </p:cTn>
-                        </p:par>
-                      </p:childTnLst>
-                    </p:cTn>
-                  </p:par>
-                </p:childTnLst>
-              </p:cTn>
-              <p:prevCondLst>
-                <p:cond evt="onPrev" delay="0">
-                  <p:tgtEl>
-                    <p:sldTgt/>
-                  </p:tgtEl>
-                </p:cond>
-              </p:prevCondLst>
-              <p:nextCondLst>
-                <p:cond evt="onNext" delay="0">
-                  <p:tgtEl>
-                    <p:sldTgt/>
-                  </p:tgtEl>
-                </p:cond>
-              </p:nextCondLst>
-            </p:seq>
-          </p:childTnLst>
-        </p:cTn>
-      </p:par>
-    </p:tnLst>
-  </p:timing>
 </p:sld>
 </file>
 
